--- a/FLOWER RECOGNITION.pptx
+++ b/FLOWER RECOGNITION.pptx
@@ -204,7 +204,8 @@
           <a:p>
             <a:fld id="{9925822D-9387-474A-B561-5C3B69D73C19}" type="datetimeFigureOut">
               <a:rPr lang="en-US" smtClean="0"/>
-              <a:t>4/3/2024</a:t>
+              <a:pPr/>
+              <a:t>4/25/2024</a:t>
             </a:fld>
             <a:endParaRPr lang="en-US"/>
           </a:p>
@@ -365,6 +366,7 @@
           <a:p>
             <a:fld id="{DDA0B588-9F20-446C-87B7-6429AFA8826C}" type="slidenum">
               <a:rPr lang="en-US" smtClean="0"/>
+              <a:pPr/>
               <a:t>‹#›</a:t>
             </a:fld>
             <a:endParaRPr lang="en-US"/>
@@ -536,6 +538,7 @@
           <a:p>
             <a:fld id="{DDA0B588-9F20-446C-87B7-6429AFA8826C}" type="slidenum">
               <a:rPr lang="en-US" smtClean="0"/>
+              <a:pPr/>
               <a:t>8</a:t>
             </a:fld>
             <a:endParaRPr lang="en-US"/>
@@ -696,7 +699,7 @@
             <a:fld id="{1D8BD707-D9CF-40AE-B4C6-C98DA3205C09}" type="datetimeFigureOut">
               <a:rPr lang="en-US"/>
               <a:pPr/>
-              <a:t>4/3/2024</a:t>
+              <a:t>4/25/2024</a:t>
             </a:fld>
             <a:endParaRPr lang="en-US"/>
           </a:p>
@@ -885,7 +888,7 @@
             <a:fld id="{1D8BD707-D9CF-40AE-B4C6-C98DA3205C09}" type="datetimeFigureOut">
               <a:rPr lang="en-US"/>
               <a:pPr/>
-              <a:t>4/3/2024</a:t>
+              <a:t>4/25/2024</a:t>
             </a:fld>
             <a:endParaRPr lang="en-US"/>
           </a:p>
@@ -1117,7 +1120,7 @@
             <a:fld id="{1D8BD707-D9CF-40AE-B4C6-C98DA3205C09}" type="datetimeFigureOut">
               <a:rPr lang="en-US"/>
               <a:pPr/>
-              <a:t>4/3/2024</a:t>
+              <a:t>4/25/2024</a:t>
             </a:fld>
             <a:endParaRPr lang="en-US"/>
           </a:p>
@@ -1283,7 +1286,7 @@
             <a:fld id="{1D8BD707-D9CF-40AE-B4C6-C98DA3205C09}" type="datetimeFigureOut">
               <a:rPr lang="en-US"/>
               <a:pPr/>
-              <a:t>4/3/2024</a:t>
+              <a:t>4/25/2024</a:t>
             </a:fld>
             <a:endParaRPr lang="en-US"/>
           </a:p>
@@ -1420,7 +1423,7 @@
             <a:fld id="{1D8BD707-D9CF-40AE-B4C6-C98DA3205C09}" type="datetimeFigureOut">
               <a:rPr lang="en-US"/>
               <a:pPr/>
-              <a:t>4/3/2024</a:t>
+              <a:t>4/25/2024</a:t>
             </a:fld>
             <a:endParaRPr lang="en-US"/>
           </a:p>
@@ -2148,7 +2151,7 @@
             <a:fld id="{1D8BD707-D9CF-40AE-B4C6-C98DA3205C09}" type="datetimeFigureOut">
               <a:rPr lang="en-US"/>
               <a:pPr/>
-              <a:t>4/3/2024</a:t>
+              <a:t>4/25/2024</a:t>
             </a:fld>
             <a:endParaRPr lang="en-US"/>
           </a:p>
@@ -3028,21 +3031,7 @@
                 <a:latin typeface="Times New Roman" panose="02020603050405020304" pitchFamily="18" charset="0"/>
                 <a:cs typeface="Times New Roman" panose="02020603050405020304" pitchFamily="18" charset="0"/>
               </a:rPr>
-              <a:t>         Conduct thorough testing to ensure the system </a:t>
-            </a:r>
-            <a:r>
-              <a:rPr lang="en-US" dirty="0" smtClean="0">
-                <a:latin typeface="Times New Roman" panose="02020603050405020304" pitchFamily="18" charset="0"/>
-                <a:cs typeface="Times New Roman" panose="02020603050405020304" pitchFamily="18" charset="0"/>
-              </a:rPr>
-              <a:t>works </a:t>
-            </a:r>
-            <a:r>
-              <a:rPr lang="en-US" dirty="0" smtClean="0">
-                <a:latin typeface="Times New Roman" panose="02020603050405020304" pitchFamily="18" charset="0"/>
-                <a:cs typeface="Times New Roman" panose="02020603050405020304" pitchFamily="18" charset="0"/>
-              </a:rPr>
-              <a:t>correctly across different scenarios (</a:t>
+              <a:t>         Conduct thorough testing to ensure the system works correctly across different scenarios (</a:t>
             </a:r>
             <a:r>
               <a:rPr lang="en-US" dirty="0" err="1" smtClean="0">
@@ -3108,30 +3097,16 @@
                 <a:latin typeface="Times New Roman" panose="02020603050405020304" pitchFamily="18" charset="0"/>
                 <a:cs typeface="Times New Roman" panose="02020603050405020304" pitchFamily="18" charset="0"/>
               </a:rPr>
-              <a:t>         Gather feedback from users to identify areas for improvement or additional </a:t>
-            </a:r>
+              <a:t>         Gather feedback from users to identify areas for improvement or additional features </a:t>
+            </a:r>
+          </a:p>
+          <a:p>
             <a:r>
               <a:rPr lang="en-US" dirty="0" smtClean="0">
                 <a:latin typeface="Times New Roman" panose="02020603050405020304" pitchFamily="18" charset="0"/>
                 <a:cs typeface="Times New Roman" panose="02020603050405020304" pitchFamily="18" charset="0"/>
               </a:rPr>
-              <a:t>features </a:t>
-            </a:r>
-          </a:p>
-          <a:p>
-            <a:r>
-              <a:rPr lang="en-US" dirty="0" smtClean="0">
-                <a:latin typeface="Times New Roman" panose="02020603050405020304" pitchFamily="18" charset="0"/>
-                <a:cs typeface="Times New Roman" panose="02020603050405020304" pitchFamily="18" charset="0"/>
-              </a:rPr>
-              <a:t>         Iterate </a:t>
-            </a:r>
-            <a:r>
-              <a:rPr lang="en-US" dirty="0" smtClean="0">
-                <a:latin typeface="Times New Roman" panose="02020603050405020304" pitchFamily="18" charset="0"/>
-                <a:cs typeface="Times New Roman" panose="02020603050405020304" pitchFamily="18" charset="0"/>
-              </a:rPr>
-              <a:t>on the system based on user feedback and incorporate enhancements as needed.</a:t>
+              <a:t>         Iterate on the system based on user feedback and incorporate enhancements as needed.</a:t>
             </a:r>
             <a:endParaRPr lang="en-US" dirty="0"/>
           </a:p>
@@ -3369,8 +3344,8 @@
         </p:nvSpPr>
         <p:spPr>
           <a:xfrm>
-            <a:off x="755332" y="385444"/>
-            <a:ext cx="2437130" cy="758190"/>
+            <a:off x="304800" y="381000"/>
+            <a:ext cx="3359468" cy="757556"/>
           </a:xfrm>
           <a:prstGeom prst="rect">
             <a:avLst/>
@@ -3391,29 +3366,30 @@
               </a:spcBef>
             </a:pPr>
             <a:r>
-              <a:rPr dirty="0"/>
+              <a:rPr dirty="0" smtClean="0"/>
               <a:t>R</a:t>
             </a:r>
             <a:r>
-              <a:rPr spc="-40" dirty="0"/>
+              <a:rPr spc="-40" dirty="0" smtClean="0"/>
               <a:t>E</a:t>
             </a:r>
             <a:r>
-              <a:rPr spc="15" dirty="0"/>
+              <a:rPr spc="15" dirty="0" smtClean="0"/>
               <a:t>S</a:t>
             </a:r>
             <a:r>
-              <a:rPr spc="-30" dirty="0"/>
+              <a:rPr spc="-30" dirty="0" smtClean="0"/>
               <a:t>U</a:t>
             </a:r>
             <a:r>
-              <a:rPr spc="-405" dirty="0"/>
+              <a:rPr spc="-405" dirty="0" smtClean="0"/>
               <a:t>L</a:t>
             </a:r>
             <a:r>
-              <a:rPr dirty="0"/>
+              <a:rPr dirty="0" smtClean="0"/>
               <a:t>TS</a:t>
             </a:r>
+            <a:endParaRPr dirty="0"/>
           </a:p>
         </p:txBody>
       </p:sp>
@@ -3554,28 +3530,22 @@
       </p:sp>
       <p:pic>
         <p:nvPicPr>
-          <p:cNvPr id="10" name="Picture 9">
-            <a:extLst>
-              <a:ext uri="{FF2B5EF4-FFF2-40B4-BE49-F238E27FC236}">
-                <a16:creationId xmlns:a16="http://schemas.microsoft.com/office/drawing/2014/main" xmlns="" id="{954E4FFE-CE43-FF7B-7D38-52C369A5B398}"/>
-              </a:ext>
-            </a:extLst>
-          </p:cNvPr>
+          <p:cNvPr id="11" name="Picture 10" descr="ima.png"/>
           <p:cNvPicPr>
             <a:picLocks noChangeAspect="1"/>
           </p:cNvPicPr>
           <p:nvPr/>
         </p:nvPicPr>
         <p:blipFill>
-          <a:blip r:embed="rId3"/>
+          <a:blip r:embed="rId3" cstate="print"/>
           <a:stretch>
             <a:fillRect/>
           </a:stretch>
         </p:blipFill>
         <p:spPr>
           <a:xfrm>
-            <a:off x="3505200" y="1752600"/>
-            <a:ext cx="3886537" cy="3901778"/>
+            <a:off x="2895600" y="381000"/>
+            <a:ext cx="6248400" cy="6066408"/>
           </a:xfrm>
           <a:prstGeom prst="rect">
             <a:avLst/>
